--- a/documentation/Banking.blueprint.entities.pptx
+++ b/documentation/Banking.blueprint.entities.pptx
@@ -118,6 +118,50 @@
 </p:presentation>
 </file>
 
+<file path=ppt/changesInfos/changesInfo1.xml><?xml version="1.0" encoding="utf-8"?>
+<pc:chgInfo xmlns:a="http://schemas.openxmlformats.org/drawingml/2006/main" xmlns:r="http://schemas.openxmlformats.org/officeDocument/2006/relationships" xmlns:ac="http://schemas.microsoft.com/office/drawing/2013/main/command" xmlns:pc="http://schemas.microsoft.com/office/powerpoint/2013/main/command">
+  <pc:docChgLst>
+    <pc:chgData name="Rachel M Sullivan" userId="S::rachel.m.sullivan_ey.com#ext#@microsoft.onmicrosoft.com::01e3d4f2-874c-467a-9c6b-85c1925aade7" providerId="AD" clId="Web-{4B5FCD6E-4ED3-4CE0-AAF1-164FE0FCEDDD}"/>
+    <pc:docChg chg="modSld">
+      <pc:chgData name="Rachel M Sullivan" userId="S::rachel.m.sullivan_ey.com#ext#@microsoft.onmicrosoft.com::01e3d4f2-874c-467a-9c6b-85c1925aade7" providerId="AD" clId="Web-{4B5FCD6E-4ED3-4CE0-AAF1-164FE0FCEDDD}" dt="2019-08-15T18:56:41.241" v="1" actId="1076"/>
+      <pc:docMkLst>
+        <pc:docMk/>
+      </pc:docMkLst>
+      <pc:sldChg chg="modSp">
+        <pc:chgData name="Rachel M Sullivan" userId="S::rachel.m.sullivan_ey.com#ext#@microsoft.onmicrosoft.com::01e3d4f2-874c-467a-9c6b-85c1925aade7" providerId="AD" clId="Web-{4B5FCD6E-4ED3-4CE0-AAF1-164FE0FCEDDD}" dt="2019-08-15T18:56:39.319" v="0" actId="1076"/>
+        <pc:sldMkLst>
+          <pc:docMk/>
+          <pc:sldMk cId="1340520975" sldId="822"/>
+        </pc:sldMkLst>
+        <pc:graphicFrameChg chg="mod">
+          <ac:chgData name="Rachel M Sullivan" userId="S::rachel.m.sullivan_ey.com#ext#@microsoft.onmicrosoft.com::01e3d4f2-874c-467a-9c6b-85c1925aade7" providerId="AD" clId="Web-{4B5FCD6E-4ED3-4CE0-AAF1-164FE0FCEDDD}" dt="2019-08-15T18:56:39.319" v="0" actId="1076"/>
+          <ac:graphicFrameMkLst>
+            <pc:docMk/>
+            <pc:sldMk cId="1340520975" sldId="822"/>
+            <ac:graphicFrameMk id="4" creationId="{E3240486-143C-49D5-8F07-EF5EE61FCB63}"/>
+          </ac:graphicFrameMkLst>
+        </pc:graphicFrameChg>
+      </pc:sldChg>
+      <pc:sldChg chg="modSp">
+        <pc:chgData name="Rachel M Sullivan" userId="S::rachel.m.sullivan_ey.com#ext#@microsoft.onmicrosoft.com::01e3d4f2-874c-467a-9c6b-85c1925aade7" providerId="AD" clId="Web-{4B5FCD6E-4ED3-4CE0-AAF1-164FE0FCEDDD}" dt="2019-08-15T18:56:41.241" v="1" actId="1076"/>
+        <pc:sldMkLst>
+          <pc:docMk/>
+          <pc:sldMk cId="2312616606" sldId="830"/>
+        </pc:sldMkLst>
+        <pc:graphicFrameChg chg="mod">
+          <ac:chgData name="Rachel M Sullivan" userId="S::rachel.m.sullivan_ey.com#ext#@microsoft.onmicrosoft.com::01e3d4f2-874c-467a-9c6b-85c1925aade7" providerId="AD" clId="Web-{4B5FCD6E-4ED3-4CE0-AAF1-164FE0FCEDDD}" dt="2019-08-15T18:56:41.241" v="1" actId="1076"/>
+          <ac:graphicFrameMkLst>
+            <pc:docMk/>
+            <pc:sldMk cId="2312616606" sldId="830"/>
+            <ac:graphicFrameMk id="7" creationId="{B3B705F3-84B2-4D88-A4AC-162B7A08BDD7}"/>
+          </ac:graphicFrameMkLst>
+        </pc:graphicFrameChg>
+      </pc:sldChg>
+    </pc:docChg>
+  </pc:docChgLst>
+</pc:chgInfo>
+</file>
+
 <file path=ppt/notesMasters/notesMaster1.xml><?xml version="1.0" encoding="utf-8"?>
 <p:notesMaster xmlns:a="http://schemas.openxmlformats.org/drawingml/2006/main" xmlns:r="http://schemas.openxmlformats.org/officeDocument/2006/relationships" xmlns:p="http://schemas.openxmlformats.org/presentationml/2006/main">
   <p:cSld>
@@ -200,7 +244,7 @@
           <a:p>
             <a:fld id="{D0C28F54-3332-41B5-A627-C572516F7C36}" type="datetimeFigureOut">
               <a:rPr lang="en-US" smtClean="0"/>
-              <a:t>5/3/2019</a:t>
+              <a:t>8/15/2019</a:t>
             </a:fld>
             <a:endParaRPr lang="en-US"/>
           </a:p>
@@ -614,7 +658,7 @@
           <a:p>
             <a:fld id="{AD624C1B-EC7C-4CF7-8EE2-B4CADD2961BF}" type="datetimeFigureOut">
               <a:rPr lang="en-US" smtClean="0"/>
-              <a:t>5/3/2019</a:t>
+              <a:t>8/15/2019</a:t>
             </a:fld>
             <a:endParaRPr lang="en-US"/>
           </a:p>
@@ -812,7 +856,7 @@
           <a:p>
             <a:fld id="{AD624C1B-EC7C-4CF7-8EE2-B4CADD2961BF}" type="datetimeFigureOut">
               <a:rPr lang="en-US" smtClean="0"/>
-              <a:t>5/3/2019</a:t>
+              <a:t>8/15/2019</a:t>
             </a:fld>
             <a:endParaRPr lang="en-US"/>
           </a:p>
@@ -1020,7 +1064,7 @@
           <a:p>
             <a:fld id="{AD624C1B-EC7C-4CF7-8EE2-B4CADD2961BF}" type="datetimeFigureOut">
               <a:rPr lang="en-US" smtClean="0"/>
-              <a:t>5/3/2019</a:t>
+              <a:t>8/15/2019</a:t>
             </a:fld>
             <a:endParaRPr lang="en-US"/>
           </a:p>
@@ -1218,7 +1262,7 @@
           <a:p>
             <a:fld id="{AD624C1B-EC7C-4CF7-8EE2-B4CADD2961BF}" type="datetimeFigureOut">
               <a:rPr lang="en-US" smtClean="0"/>
-              <a:t>5/3/2019</a:t>
+              <a:t>8/15/2019</a:t>
             </a:fld>
             <a:endParaRPr lang="en-US"/>
           </a:p>
@@ -1493,7 +1537,7 @@
           <a:p>
             <a:fld id="{AD624C1B-EC7C-4CF7-8EE2-B4CADD2961BF}" type="datetimeFigureOut">
               <a:rPr lang="en-US" smtClean="0"/>
-              <a:t>5/3/2019</a:t>
+              <a:t>8/15/2019</a:t>
             </a:fld>
             <a:endParaRPr lang="en-US"/>
           </a:p>
@@ -1758,7 +1802,7 @@
           <a:p>
             <a:fld id="{AD624C1B-EC7C-4CF7-8EE2-B4CADD2961BF}" type="datetimeFigureOut">
               <a:rPr lang="en-US" smtClean="0"/>
-              <a:t>5/3/2019</a:t>
+              <a:t>8/15/2019</a:t>
             </a:fld>
             <a:endParaRPr lang="en-US"/>
           </a:p>
@@ -2170,7 +2214,7 @@
           <a:p>
             <a:fld id="{AD624C1B-EC7C-4CF7-8EE2-B4CADD2961BF}" type="datetimeFigureOut">
               <a:rPr lang="en-US" smtClean="0"/>
-              <a:t>5/3/2019</a:t>
+              <a:t>8/15/2019</a:t>
             </a:fld>
             <a:endParaRPr lang="en-US"/>
           </a:p>
@@ -2311,7 +2355,7 @@
           <a:p>
             <a:fld id="{AD624C1B-EC7C-4CF7-8EE2-B4CADD2961BF}" type="datetimeFigureOut">
               <a:rPr lang="en-US" smtClean="0"/>
-              <a:t>5/3/2019</a:t>
+              <a:t>8/15/2019</a:t>
             </a:fld>
             <a:endParaRPr lang="en-US"/>
           </a:p>
@@ -2424,7 +2468,7 @@
           <a:p>
             <a:fld id="{AD624C1B-EC7C-4CF7-8EE2-B4CADD2961BF}" type="datetimeFigureOut">
               <a:rPr lang="en-US" smtClean="0"/>
-              <a:t>5/3/2019</a:t>
+              <a:t>8/15/2019</a:t>
             </a:fld>
             <a:endParaRPr lang="en-US"/>
           </a:p>
@@ -2735,7 +2779,7 @@
           <a:p>
             <a:fld id="{AD624C1B-EC7C-4CF7-8EE2-B4CADD2961BF}" type="datetimeFigureOut">
               <a:rPr lang="en-US" smtClean="0"/>
-              <a:t>5/3/2019</a:t>
+              <a:t>8/15/2019</a:t>
             </a:fld>
             <a:endParaRPr lang="en-US"/>
           </a:p>
@@ -3023,7 +3067,7 @@
           <a:p>
             <a:fld id="{AD624C1B-EC7C-4CF7-8EE2-B4CADD2961BF}" type="datetimeFigureOut">
               <a:rPr lang="en-US" smtClean="0"/>
-              <a:t>5/3/2019</a:t>
+              <a:t>8/15/2019</a:t>
             </a:fld>
             <a:endParaRPr lang="en-US"/>
           </a:p>
@@ -3264,7 +3308,7 @@
           <a:p>
             <a:fld id="{AD624C1B-EC7C-4CF7-8EE2-B4CADD2961BF}" type="datetimeFigureOut">
               <a:rPr lang="en-US" smtClean="0"/>
-              <a:t>5/3/2019</a:t>
+              <a:t>8/15/2019</a:t>
             </a:fld>
             <a:endParaRPr lang="en-US"/>
           </a:p>
@@ -3746,7 +3790,7 @@
               <a:defRPr/>
             </a:pPr>
             <a:r>
-              <a:rPr kumimoji="0" lang="en-US" sz="4080" b="0" i="0" u="none" strike="noStrike" kern="1200" cap="none" spc="0" normalizeH="0" baseline="0" noProof="0" dirty="0">
+              <a:rPr kumimoji="0" lang="en-US" sz="4080" b="0" i="0" u="none" strike="noStrike" kern="1200" cap="none" spc="0" normalizeH="0" baseline="0" noProof="0">
                 <a:ln>
                   <a:noFill/>
                 </a:ln>
@@ -3782,20 +3826,20 @@
           <p:nvPr>
             <p:extLst>
               <p:ext uri="{D42A27DB-BD31-4B8C-83A1-F6EECF244321}">
-                <p14:modId xmlns:p14="http://schemas.microsoft.com/office/powerpoint/2010/main" val="3893462393"/>
+                <p14:modId xmlns:p14="http://schemas.microsoft.com/office/powerpoint/2010/main" val="682047315"/>
               </p:ext>
             </p:extLst>
           </p:nvPr>
         </p:nvGraphicFramePr>
         <p:xfrm>
-          <a:off x="603250" y="742950"/>
+          <a:off x="847665" y="1605592"/>
           <a:ext cx="10972800" cy="5426075"/>
         </p:xfrm>
         <a:graphic>
           <a:graphicData uri="http://schemas.openxmlformats.org/presentationml/2006/ole">
             <mc:AlternateContent xmlns:mc="http://schemas.openxmlformats.org/markup-compatibility/2006">
               <mc:Choice xmlns:v="urn:schemas-microsoft-com:vml" Requires="v">
-                <p:oleObj spid="_x0000_s1026" name="Visio" r:id="rId3" imgW="6419901" imgH="4743316" progId="Visio.Drawing.15">
+                <p:oleObj spid="_x0000_s14337" name="Visio" r:id="rId3" imgW="6419901" imgH="4743316" progId="Visio.Drawing.15">
                   <p:embed/>
                 </p:oleObj>
               </mc:Choice>
@@ -3822,7 +3866,7 @@
                     </p:blipFill>
                     <p:spPr>
                       <a:xfrm>
-                        <a:off x="603250" y="742950"/>
+                        <a:off x="847665" y="1605592"/>
                         <a:ext cx="10972800" cy="5426075"/>
                       </a:xfrm>
                       <a:prstGeom prst="rect">
@@ -3931,7 +3975,7 @@
               <a:defRPr/>
             </a:pPr>
             <a:r>
-              <a:rPr kumimoji="0" lang="en-US" sz="4080" b="0" i="0" u="none" strike="noStrike" kern="1200" cap="none" spc="0" normalizeH="0" baseline="0" noProof="0" dirty="0">
+              <a:rPr kumimoji="0" lang="en-US" sz="4080" b="0" i="0" u="none" strike="noStrike" kern="1200" cap="none" spc="0" normalizeH="0" baseline="0" noProof="0">
                 <a:ln>
                   <a:noFill/>
                 </a:ln>
@@ -3967,20 +4011,20 @@
           <p:nvPr>
             <p:extLst>
               <p:ext uri="{D42A27DB-BD31-4B8C-83A1-F6EECF244321}">
-                <p14:modId xmlns:p14="http://schemas.microsoft.com/office/powerpoint/2010/main" val="2762517056"/>
+                <p14:modId xmlns:p14="http://schemas.microsoft.com/office/powerpoint/2010/main" val="2739517916"/>
               </p:ext>
             </p:extLst>
           </p:nvPr>
         </p:nvGraphicFramePr>
         <p:xfrm>
-          <a:off x="369888" y="600074"/>
+          <a:off x="750888" y="1559143"/>
           <a:ext cx="11439525" cy="5861015"/>
         </p:xfrm>
         <a:graphic>
           <a:graphicData uri="http://schemas.openxmlformats.org/presentationml/2006/ole">
             <mc:AlternateContent xmlns:mc="http://schemas.openxmlformats.org/markup-compatibility/2006">
               <mc:Choice xmlns:v="urn:schemas-microsoft-com:vml" Requires="v">
-                <p:oleObj spid="_x0000_s2050" name="Visio" r:id="rId3" imgW="7476947" imgH="5343592" progId="Visio.Drawing.15">
+                <p:oleObj spid="_x0000_s15361" name="Visio" r:id="rId3" imgW="7476947" imgH="5343592" progId="Visio.Drawing.15">
                   <p:embed/>
                 </p:oleObj>
               </mc:Choice>
@@ -4007,7 +4051,7 @@
                     </p:blipFill>
                     <p:spPr>
                       <a:xfrm>
-                        <a:off x="369888" y="600074"/>
+                        <a:off x="750888" y="1559143"/>
                         <a:ext cx="11439525" cy="5861015"/>
                       </a:xfrm>
                       <a:prstGeom prst="rect">
@@ -4116,7 +4160,7 @@
               <a:defRPr/>
             </a:pPr>
             <a:r>
-              <a:rPr kumimoji="0" lang="en-US" sz="4080" b="0" i="0" u="none" strike="noStrike" kern="1200" cap="none" spc="0" normalizeH="0" baseline="0" noProof="0" dirty="0">
+              <a:rPr kumimoji="0" lang="en-US" sz="4080" b="0" i="0" u="none" strike="noStrike" kern="1200" cap="none" spc="0" normalizeH="0" baseline="0" noProof="0">
                 <a:ln>
                   <a:noFill/>
                 </a:ln>
@@ -4165,7 +4209,7 @@
           <a:graphicData uri="http://schemas.openxmlformats.org/presentationml/2006/ole">
             <mc:AlternateContent xmlns:mc="http://schemas.openxmlformats.org/markup-compatibility/2006">
               <mc:Choice xmlns:v="urn:schemas-microsoft-com:vml" Requires="v">
-                <p:oleObj spid="_x0000_s3074" name="Visio" r:id="rId3" imgW="7172147" imgH="5591287" progId="Visio.Drawing.15">
+                <p:oleObj spid="_x0000_s16385" name="Visio" r:id="rId3" imgW="7172147" imgH="5591287" progId="Visio.Drawing.15">
                   <p:embed/>
                 </p:oleObj>
               </mc:Choice>
@@ -4301,7 +4345,7 @@
               <a:defRPr/>
             </a:pPr>
             <a:r>
-              <a:rPr kumimoji="0" lang="en-US" sz="4080" b="0" i="0" u="none" strike="noStrike" kern="1200" cap="none" spc="0" normalizeH="0" baseline="0" noProof="0" dirty="0">
+              <a:rPr kumimoji="0" lang="en-US" sz="4080" b="0" i="0" u="none" strike="noStrike" kern="1200" cap="none" spc="0" normalizeH="0" baseline="0" noProof="0">
                 <a:ln>
                   <a:noFill/>
                 </a:ln>
@@ -4350,7 +4394,7 @@
           <a:graphicData uri="http://schemas.openxmlformats.org/presentationml/2006/ole">
             <mc:AlternateContent xmlns:mc="http://schemas.openxmlformats.org/markup-compatibility/2006">
               <mc:Choice xmlns:v="urn:schemas-microsoft-com:vml" Requires="v">
-                <p:oleObj spid="_x0000_s4098" name="Visio" r:id="rId3" imgW="6877101" imgH="6076995" progId="Visio.Drawing.15">
+                <p:oleObj spid="_x0000_s17409" name="Visio" r:id="rId3" imgW="6877101" imgH="6076995" progId="Visio.Drawing.15">
                   <p:embed/>
                 </p:oleObj>
               </mc:Choice>
@@ -4996,13 +5040,33 @@
 
 <file path=customXml/item1.xml><?xml version="1.0" encoding="utf-8"?>
 <p:properties xmlns:p="http://schemas.microsoft.com/office/2006/metadata/properties" xmlns:xsi="http://www.w3.org/2001/XMLSchema-instance" xmlns:pc="http://schemas.microsoft.com/office/infopath/2007/PartnerControls">
-  <documentManagement/>
+  <documentManagement>
+    <_ip_UnifiedCompliancePolicyUIAction xmlns="http://schemas.microsoft.com/sharepoint/v3" xsi:nil="true"/>
+    <_ip_UnifiedCompliancePolicyProperties xmlns="http://schemas.microsoft.com/sharepoint/v3" xsi:nil="true"/>
+    <SharedWithUsers xmlns="26b51502-da3c-4e72-b249-ac300a428aa1">
+      <UserInfo>
+        <DisplayName>EY</DisplayName>
+        <AccountId>7</AccountId>
+        <AccountType/>
+      </UserInfo>
+    </SharedWithUsers>
+  </documentManagement>
 </p:properties>
 </file>
 
 <file path=customXml/item2.xml><?xml version="1.0" encoding="utf-8"?>
-<ct:contentTypeSchema xmlns:ct="http://schemas.microsoft.com/office/2006/metadata/contentType" xmlns:ma="http://schemas.microsoft.com/office/2006/metadata/properties/metaAttributes" ct:_="" ma:_="" ma:contentTypeName="Document" ma:contentTypeID="0x010100A8281AFE636739468E79E995C6C3458B" ma:contentTypeVersion="11" ma:contentTypeDescription="Create a new document." ma:contentTypeScope="" ma:versionID="8d241c252827b1e5c19c340e8f86d423">
-  <xsd:schema xmlns:xsd="http://www.w3.org/2001/XMLSchema" xmlns:xs="http://www.w3.org/2001/XMLSchema" xmlns:p="http://schemas.microsoft.com/office/2006/metadata/properties" xmlns:ns2="25adbfb8-6d04-40f6-9b2f-095a3e6cb46e" xmlns:ns3="26b51502-da3c-4e72-b249-ac300a428aa1" targetNamespace="http://schemas.microsoft.com/office/2006/metadata/properties" ma:root="true" ma:fieldsID="09be6e5b2dfb543d4c3745e29c352ecf" ns2:_="" ns3:_="">
+<?mso-contentType ?>
+<FormTemplates xmlns="http://schemas.microsoft.com/sharepoint/v3/contenttype/forms">
+  <Display>DocumentLibraryForm</Display>
+  <Edit>DocumentLibraryForm</Edit>
+  <New>DocumentLibraryForm</New>
+</FormTemplates>
+</file>
+
+<file path=customXml/item3.xml><?xml version="1.0" encoding="utf-8"?>
+<ct:contentTypeSchema xmlns:ct="http://schemas.microsoft.com/office/2006/metadata/contentType" xmlns:ma="http://schemas.microsoft.com/office/2006/metadata/properties/metaAttributes" ct:_="" ma:_="" ma:contentTypeName="Document" ma:contentTypeID="0x010100A8281AFE636739468E79E995C6C3458B" ma:contentTypeVersion="13" ma:contentTypeDescription="Create a new document." ma:contentTypeScope="" ma:versionID="67d3cff906082429e74d9897237ba36e">
+  <xsd:schema xmlns:xsd="http://www.w3.org/2001/XMLSchema" xmlns:xs="http://www.w3.org/2001/XMLSchema" xmlns:p="http://schemas.microsoft.com/office/2006/metadata/properties" xmlns:ns1="http://schemas.microsoft.com/sharepoint/v3" xmlns:ns2="25adbfb8-6d04-40f6-9b2f-095a3e6cb46e" xmlns:ns3="26b51502-da3c-4e72-b249-ac300a428aa1" targetNamespace="http://schemas.microsoft.com/office/2006/metadata/properties" ma:root="true" ma:fieldsID="64a59c36fa68f82a9205525ef5637635" ns1:_="" ns2:_="" ns3:_="">
+    <xsd:import namespace="http://schemas.microsoft.com/sharepoint/v3"/>
     <xsd:import namespace="25adbfb8-6d04-40f6-9b2f-095a3e6cb46e"/>
     <xsd:import namespace="26b51502-da3c-4e72-b249-ac300a428aa1"/>
     <xsd:element name="properties">
@@ -5022,11 +5086,27 @@
                 <xsd:element ref="ns2:MediaServiceDateTaken" minOccurs="0"/>
                 <xsd:element ref="ns3:SharedWithUsers" minOccurs="0"/>
                 <xsd:element ref="ns3:SharedWithDetails" minOccurs="0"/>
+                <xsd:element ref="ns1:_ip_UnifiedCompliancePolicyProperties" minOccurs="0"/>
+                <xsd:element ref="ns1:_ip_UnifiedCompliancePolicyUIAction" minOccurs="0"/>
               </xsd:all>
             </xsd:complexType>
           </xsd:element>
         </xsd:sequence>
       </xsd:complexType>
+    </xsd:element>
+  </xsd:schema>
+  <xsd:schema xmlns:xsd="http://www.w3.org/2001/XMLSchema" xmlns:xs="http://www.w3.org/2001/XMLSchema" xmlns:dms="http://schemas.microsoft.com/office/2006/documentManagement/types" xmlns:pc="http://schemas.microsoft.com/office/infopath/2007/PartnerControls" targetNamespace="http://schemas.microsoft.com/sharepoint/v3" elementFormDefault="qualified">
+    <xsd:import namespace="http://schemas.microsoft.com/office/2006/documentManagement/types"/>
+    <xsd:import namespace="http://schemas.microsoft.com/office/infopath/2007/PartnerControls"/>
+    <xsd:element name="_ip_UnifiedCompliancePolicyProperties" ma:index="19" nillable="true" ma:displayName="Unified Compliance Policy Properties" ma:hidden="true" ma:internalName="_ip_UnifiedCompliancePolicyProperties">
+      <xsd:simpleType>
+        <xsd:restriction base="dms:Note"/>
+      </xsd:simpleType>
+    </xsd:element>
+    <xsd:element name="_ip_UnifiedCompliancePolicyUIAction" ma:index="20" nillable="true" ma:displayName="Unified Compliance Policy UI Action" ma:hidden="true" ma:internalName="_ip_UnifiedCompliancePolicyUIAction">
+      <xsd:simpleType>
+        <xsd:restriction base="dms:Text"/>
+      </xsd:simpleType>
     </xsd:element>
   </xsd:schema>
   <xsd:schema xmlns:xsd="http://www.w3.org/2001/XMLSchema" xmlns:xs="http://www.w3.org/2001/XMLSchema" xmlns:dms="http://schemas.microsoft.com/office/2006/documentManagement/types" xmlns:pc="http://schemas.microsoft.com/office/infopath/2007/PartnerControls" targetNamespace="25adbfb8-6d04-40f6-9b2f-095a3e6cb46e" elementFormDefault="qualified">
@@ -5211,55 +5291,48 @@
 </ct:contentTypeSchema>
 </file>
 
-<file path=customXml/item3.xml><?xml version="1.0" encoding="utf-8"?>
-<?mso-contentType ?>
-<FormTemplates xmlns="http://schemas.microsoft.com/sharepoint/v3/contenttype/forms">
-  <Display>DocumentLibraryForm</Display>
-  <Edit>DocumentLibraryForm</Edit>
-  <New>DocumentLibraryForm</New>
-</FormTemplates>
-</file>
-
 <file path=customXml/itemProps1.xml><?xml version="1.0" encoding="utf-8"?>
 <ds:datastoreItem xmlns:ds="http://schemas.openxmlformats.org/officeDocument/2006/customXml" ds:itemID="{A703C616-6C69-4C1C-88BF-F7C2760A877A}">
   <ds:schemaRefs>
+    <ds:schemaRef ds:uri="25adbfb8-6d04-40f6-9b2f-095a3e6cb46e"/>
+    <ds:schemaRef ds:uri="26b51502-da3c-4e72-b249-ac300a428aa1"/>
+    <ds:schemaRef ds:uri="http://purl.org/dc/dcmitype/"/>
+    <ds:schemaRef ds:uri="http://purl.org/dc/elements/1.1/"/>
     <ds:schemaRef ds:uri="http://purl.org/dc/terms/"/>
+    <ds:schemaRef ds:uri="http://schemas.microsoft.com/office/2006/documentManagement/types"/>
+    <ds:schemaRef ds:uri="http://schemas.microsoft.com/office/2006/metadata/properties"/>
+    <ds:schemaRef ds:uri="http://schemas.microsoft.com/office/infopath/2007/PartnerControls"/>
+    <ds:schemaRef ds:uri="http://schemas.microsoft.com/sharepoint/v3"/>
     <ds:schemaRef ds:uri="http://schemas.openxmlformats.org/package/2006/metadata/core-properties"/>
-    <ds:schemaRef ds:uri="http://schemas.microsoft.com/office/2006/documentManagement/types"/>
-    <ds:schemaRef ds:uri="http://schemas.microsoft.com/office/infopath/2007/PartnerControls"/>
-    <ds:schemaRef ds:uri="http://purl.org/dc/elements/1.1/"/>
-    <ds:schemaRef ds:uri="http://schemas.microsoft.com/office/2006/metadata/properties"/>
-    <ds:schemaRef ds:uri="26b51502-da3c-4e72-b249-ac300a428aa1"/>
-    <ds:schemaRef ds:uri="25adbfb8-6d04-40f6-9b2f-095a3e6cb46e"/>
     <ds:schemaRef ds:uri="http://www.w3.org/XML/1998/namespace"/>
-    <ds:schemaRef ds:uri="http://purl.org/dc/dcmitype/"/>
   </ds:schemaRefs>
 </ds:datastoreItem>
 </file>
 
 <file path=customXml/itemProps2.xml><?xml version="1.0" encoding="utf-8"?>
-<ds:datastoreItem xmlns:ds="http://schemas.openxmlformats.org/officeDocument/2006/customXml" ds:itemID="{C52D8DCB-BCCB-41EC-9608-FB0A32C16DB3}">
+<ds:datastoreItem xmlns:ds="http://schemas.openxmlformats.org/officeDocument/2006/customXml" ds:itemID="{EF845796-FD32-4137-B0B2-5C854D400382}">
   <ds:schemaRefs>
-    <ds:schemaRef ds:uri="http://schemas.microsoft.com/office/2006/metadata/contentType"/>
-    <ds:schemaRef ds:uri="http://schemas.microsoft.com/office/2006/metadata/properties/metaAttributes"/>
-    <ds:schemaRef ds:uri="http://www.w3.org/2001/XMLSchema"/>
-    <ds:schemaRef ds:uri="http://schemas.microsoft.com/office/2006/metadata/properties"/>
-    <ds:schemaRef ds:uri="25adbfb8-6d04-40f6-9b2f-095a3e6cb46e"/>
-    <ds:schemaRef ds:uri="26b51502-da3c-4e72-b249-ac300a428aa1"/>
-    <ds:schemaRef ds:uri="http://schemas.microsoft.com/office/2006/documentManagement/types"/>
-    <ds:schemaRef ds:uri="http://schemas.microsoft.com/office/infopath/2007/PartnerControls"/>
-    <ds:schemaRef ds:uri="http://schemas.openxmlformats.org/package/2006/metadata/core-properties"/>
-    <ds:schemaRef ds:uri="http://purl.org/dc/elements/1.1/"/>
-    <ds:schemaRef ds:uri="http://purl.org/dc/terms/"/>
-    <ds:schemaRef ds:uri="http://schemas.microsoft.com/internal/obd"/>
+    <ds:schemaRef ds:uri="http://schemas.microsoft.com/sharepoint/v3/contenttype/forms"/>
   </ds:schemaRefs>
 </ds:datastoreItem>
 </file>
 
 <file path=customXml/itemProps3.xml><?xml version="1.0" encoding="utf-8"?>
-<ds:datastoreItem xmlns:ds="http://schemas.openxmlformats.org/officeDocument/2006/customXml" ds:itemID="{EF845796-FD32-4137-B0B2-5C854D400382}">
+<ds:datastoreItem xmlns:ds="http://schemas.openxmlformats.org/officeDocument/2006/customXml" ds:itemID="{C0BB63E7-0527-4D4B-894E-C85094E8596B}">
   <ds:schemaRefs>
-    <ds:schemaRef ds:uri="http://schemas.microsoft.com/sharepoint/v3/contenttype/forms"/>
+    <ds:schemaRef ds:uri="25adbfb8-6d04-40f6-9b2f-095a3e6cb46e"/>
+    <ds:schemaRef ds:uri="26b51502-da3c-4e72-b249-ac300a428aa1"/>
+    <ds:schemaRef ds:uri="http://purl.org/dc/elements/1.1/"/>
+    <ds:schemaRef ds:uri="http://purl.org/dc/terms/"/>
+    <ds:schemaRef ds:uri="http://schemas.microsoft.com/internal/obd"/>
+    <ds:schemaRef ds:uri="http://schemas.microsoft.com/office/2006/documentManagement/types"/>
+    <ds:schemaRef ds:uri="http://schemas.microsoft.com/office/2006/metadata/contentType"/>
+    <ds:schemaRef ds:uri="http://schemas.microsoft.com/office/2006/metadata/properties"/>
+    <ds:schemaRef ds:uri="http://schemas.microsoft.com/office/2006/metadata/properties/metaAttributes"/>
+    <ds:schemaRef ds:uri="http://schemas.microsoft.com/office/infopath/2007/PartnerControls"/>
+    <ds:schemaRef ds:uri="http://schemas.microsoft.com/sharepoint/v3"/>
+    <ds:schemaRef ds:uri="http://schemas.openxmlformats.org/package/2006/metadata/core-properties"/>
+    <ds:schemaRef ds:uri="http://www.w3.org/2001/XMLSchema"/>
   </ds:schemaRefs>
 </ds:datastoreItem>
 </file>